--- a/Group5_airplane_crash_presentation .pptx
+++ b/Group5_airplane_crash_presentation .pptx
@@ -5,7 +5,7 @@
     <p:sldMasterId id="2147483648" r:id="rId1"/>
   </p:sldMasterIdLst>
   <p:notesMasterIdLst>
-    <p:notesMasterId r:id="rId12"/>
+    <p:notesMasterId r:id="rId11"/>
   </p:notesMasterIdLst>
   <p:sldIdLst>
     <p:sldId id="257" r:id="rId2"/>
@@ -16,8 +16,7 @@
     <p:sldId id="265" r:id="rId7"/>
     <p:sldId id="270" r:id="rId8"/>
     <p:sldId id="261" r:id="rId9"/>
-    <p:sldId id="262" r:id="rId10"/>
-    <p:sldId id="267" r:id="rId11"/>
+    <p:sldId id="267" r:id="rId10"/>
   </p:sldIdLst>
   <p:sldSz cx="12192000" cy="6858000"/>
   <p:notesSz cx="6858000" cy="9144000"/>
@@ -129,7 +128,6 @@
             <p14:sldId id="265"/>
             <p14:sldId id="270"/>
             <p14:sldId id="261"/>
-            <p14:sldId id="262"/>
           </p14:sldIdLst>
         </p14:section>
         <p14:section name="Untitled Section" id="{74EFAD5F-028F-478F-93CF-C2C29C40CACC}">
@@ -228,7 +226,7 @@
           <a:p>
             <a:fld id="{B9261335-B34E-4E3B-96E0-78038402E70A}" type="datetimeFigureOut">
               <a:rPr lang="en-AU" smtClean="0"/>
-              <a:t>23/01/2021</a:t>
+              <a:t>1/02/2021</a:t>
             </a:fld>
             <a:endParaRPr lang="en-AU"/>
           </a:p>
@@ -1071,7 +1069,7 @@
           <a:p>
             <a:fld id="{636F0C7B-74C5-FE4D-9E97-589D362DBB17}" type="datetimeFigureOut">
               <a:rPr lang="en-US" smtClean="0"/>
-              <a:t>1/23/2021</a:t>
+              <a:t>2/1/2021</a:t>
             </a:fld>
             <a:endParaRPr lang="en-US"/>
           </a:p>
@@ -1271,7 +1269,7 @@
           <a:p>
             <a:fld id="{636F0C7B-74C5-FE4D-9E97-589D362DBB17}" type="datetimeFigureOut">
               <a:rPr lang="en-US" smtClean="0"/>
-              <a:t>1/23/2021</a:t>
+              <a:t>2/1/2021</a:t>
             </a:fld>
             <a:endParaRPr lang="en-US"/>
           </a:p>
@@ -1481,7 +1479,7 @@
           <a:p>
             <a:fld id="{636F0C7B-74C5-FE4D-9E97-589D362DBB17}" type="datetimeFigureOut">
               <a:rPr lang="en-US" smtClean="0"/>
-              <a:t>1/23/2021</a:t>
+              <a:t>2/1/2021</a:t>
             </a:fld>
             <a:endParaRPr lang="en-US"/>
           </a:p>
@@ -1681,7 +1679,7 @@
           <a:p>
             <a:fld id="{636F0C7B-74C5-FE4D-9E97-589D362DBB17}" type="datetimeFigureOut">
               <a:rPr lang="en-US" smtClean="0"/>
-              <a:t>1/23/2021</a:t>
+              <a:t>2/1/2021</a:t>
             </a:fld>
             <a:endParaRPr lang="en-US"/>
           </a:p>
@@ -1957,7 +1955,7 @@
           <a:p>
             <a:fld id="{636F0C7B-74C5-FE4D-9E97-589D362DBB17}" type="datetimeFigureOut">
               <a:rPr lang="en-US" smtClean="0"/>
-              <a:t>1/23/2021</a:t>
+              <a:t>2/1/2021</a:t>
             </a:fld>
             <a:endParaRPr lang="en-US"/>
           </a:p>
@@ -2225,7 +2223,7 @@
           <a:p>
             <a:fld id="{636F0C7B-74C5-FE4D-9E97-589D362DBB17}" type="datetimeFigureOut">
               <a:rPr lang="en-US" smtClean="0"/>
-              <a:t>1/23/2021</a:t>
+              <a:t>2/1/2021</a:t>
             </a:fld>
             <a:endParaRPr lang="en-US"/>
           </a:p>
@@ -2640,7 +2638,7 @@
           <a:p>
             <a:fld id="{636F0C7B-74C5-FE4D-9E97-589D362DBB17}" type="datetimeFigureOut">
               <a:rPr lang="en-US" smtClean="0"/>
-              <a:t>1/23/2021</a:t>
+              <a:t>2/1/2021</a:t>
             </a:fld>
             <a:endParaRPr lang="en-US"/>
           </a:p>
@@ -2782,7 +2780,7 @@
           <a:p>
             <a:fld id="{636F0C7B-74C5-FE4D-9E97-589D362DBB17}" type="datetimeFigureOut">
               <a:rPr lang="en-US" smtClean="0"/>
-              <a:t>1/23/2021</a:t>
+              <a:t>2/1/2021</a:t>
             </a:fld>
             <a:endParaRPr lang="en-US"/>
           </a:p>
@@ -2895,7 +2893,7 @@
           <a:p>
             <a:fld id="{636F0C7B-74C5-FE4D-9E97-589D362DBB17}" type="datetimeFigureOut">
               <a:rPr lang="en-US" smtClean="0"/>
-              <a:t>1/23/2021</a:t>
+              <a:t>2/1/2021</a:t>
             </a:fld>
             <a:endParaRPr lang="en-US"/>
           </a:p>
@@ -3208,7 +3206,7 @@
           <a:p>
             <a:fld id="{636F0C7B-74C5-FE4D-9E97-589D362DBB17}" type="datetimeFigureOut">
               <a:rPr lang="en-US" smtClean="0"/>
-              <a:t>1/23/2021</a:t>
+              <a:t>2/1/2021</a:t>
             </a:fld>
             <a:endParaRPr lang="en-US"/>
           </a:p>
@@ -3497,7 +3495,7 @@
           <a:p>
             <a:fld id="{636F0C7B-74C5-FE4D-9E97-589D362DBB17}" type="datetimeFigureOut">
               <a:rPr lang="en-US" smtClean="0"/>
-              <a:t>1/23/2021</a:t>
+              <a:t>2/1/2021</a:t>
             </a:fld>
             <a:endParaRPr lang="en-US"/>
           </a:p>
@@ -3740,7 +3738,7 @@
           <a:p>
             <a:fld id="{636F0C7B-74C5-FE4D-9E97-589D362DBB17}" type="datetimeFigureOut">
               <a:rPr lang="en-US" smtClean="0"/>
-              <a:t>1/23/2021</a:t>
+              <a:t>2/1/2021</a:t>
             </a:fld>
             <a:endParaRPr lang="en-US"/>
           </a:p>
@@ -4954,578 +4952,6 @@
 </p:sld>
 </file>
 
-<file path=ppt/slides/slide10.xml><?xml version="1.0" encoding="utf-8"?>
-<p:sld xmlns:a="http://schemas.openxmlformats.org/drawingml/2006/main" xmlns:r="http://schemas.openxmlformats.org/officeDocument/2006/relationships" xmlns:p="http://schemas.openxmlformats.org/presentationml/2006/main">
-  <p:cSld>
-    <p:bg>
-      <p:bgPr>
-        <a:solidFill>
-          <a:schemeClr val="bg1"/>
-        </a:solidFill>
-        <a:effectLst/>
-      </p:bgPr>
-    </p:bg>
-    <p:spTree>
-      <p:nvGrpSpPr>
-        <p:cNvPr id="1" name=""/>
-        <p:cNvGrpSpPr/>
-        <p:nvPr/>
-      </p:nvGrpSpPr>
-      <p:grpSpPr>
-        <a:xfrm>
-          <a:off x="0" y="0"/>
-          <a:ext cx="0" cy="0"/>
-          <a:chOff x="0" y="0"/>
-          <a:chExt cx="0" cy="0"/>
-        </a:xfrm>
-      </p:grpSpPr>
-      <p:sp useBgFill="1">
-        <p:nvSpPr>
-          <p:cNvPr id="8" name="Rectangle 7">
-            <a:extLst>
-              <a:ext uri="{FF2B5EF4-FFF2-40B4-BE49-F238E27FC236}">
-                <a16:creationId xmlns:a16="http://schemas.microsoft.com/office/drawing/2014/main" id="{3B854194-185D-494D-905C-7C7CB2E30F6E}"/>
-              </a:ext>
-              <a:ext uri="{C183D7F6-B498-43B3-948B-1728B52AA6E4}">
-                <adec:decorative xmlns:adec="http://schemas.microsoft.com/office/drawing/2017/decorative" val="1"/>
-              </a:ext>
-            </a:extLst>
-          </p:cNvPr>
-          <p:cNvSpPr>
-            <a:spLocks noGrp="1" noRot="1" noChangeAspect="1" noMove="1" noResize="1" noEditPoints="1" noAdjustHandles="1" noChangeArrowheads="1" noChangeShapeType="1" noTextEdit="1"/>
-          </p:cNvSpPr>
-          <p:nvPr>
-            <p:extLst>
-              <p:ext uri="{386F3935-93C4-4BCD-93E2-E3B085C9AB24}">
-                <p16:designElem xmlns:p16="http://schemas.microsoft.com/office/powerpoint/2015/main" val="1"/>
-              </p:ext>
-            </p:extLst>
-          </p:nvPr>
-        </p:nvSpPr>
-        <p:spPr>
-          <a:xfrm>
-            <a:off x="1" y="0"/>
-            <a:ext cx="6082110" cy="6858000"/>
-          </a:xfrm>
-          <a:prstGeom prst="rect">
-            <a:avLst/>
-          </a:prstGeom>
-          <a:ln>
-            <a:noFill/>
-          </a:ln>
-        </p:spPr>
-        <p:style>
-          <a:lnRef idx="2">
-            <a:schemeClr val="accent1">
-              <a:shade val="50000"/>
-            </a:schemeClr>
-          </a:lnRef>
-          <a:fillRef idx="1">
-            <a:schemeClr val="accent1"/>
-          </a:fillRef>
-          <a:effectRef idx="0">
-            <a:schemeClr val="accent1"/>
-          </a:effectRef>
-          <a:fontRef idx="minor">
-            <a:schemeClr val="lt1"/>
-          </a:fontRef>
-        </p:style>
-        <p:txBody>
-          <a:bodyPr rtlCol="0" anchor="ctr"/>
-          <a:lstStyle/>
-          <a:p>
-            <a:pPr algn="ctr"/>
-            <a:endParaRPr lang="en-US"/>
-          </a:p>
-        </p:txBody>
-      </p:sp>
-      <p:sp>
-        <p:nvSpPr>
-          <p:cNvPr id="10" name="Rectangle 9">
-            <a:extLst>
-              <a:ext uri="{FF2B5EF4-FFF2-40B4-BE49-F238E27FC236}">
-                <a16:creationId xmlns:a16="http://schemas.microsoft.com/office/drawing/2014/main" id="{B4F5FA0D-0104-4987-8241-EFF7C85B88DE}"/>
-              </a:ext>
-              <a:ext uri="{C183D7F6-B498-43B3-948B-1728B52AA6E4}">
-                <adec:decorative xmlns:adec="http://schemas.microsoft.com/office/drawing/2017/decorative" val="1"/>
-              </a:ext>
-            </a:extLst>
-          </p:cNvPr>
-          <p:cNvSpPr>
-            <a:spLocks noGrp="1" noRot="1" noChangeAspect="1" noMove="1" noResize="1" noEditPoints="1" noAdjustHandles="1" noChangeArrowheads="1" noChangeShapeType="1" noTextEdit="1"/>
-          </p:cNvSpPr>
-          <p:nvPr>
-            <p:extLst>
-              <p:ext uri="{386F3935-93C4-4BCD-93E2-E3B085C9AB24}">
-                <p16:designElem xmlns:p16="http://schemas.microsoft.com/office/powerpoint/2015/main" val="1"/>
-              </p:ext>
-            </p:extLst>
-          </p:nvPr>
-        </p:nvSpPr>
-        <p:spPr>
-          <a:xfrm>
-            <a:off x="1" y="0"/>
-            <a:ext cx="12191998" cy="6858000"/>
-          </a:xfrm>
-          <a:prstGeom prst="rect">
-            <a:avLst/>
-          </a:prstGeom>
-          <a:gradFill>
-            <a:gsLst>
-              <a:gs pos="0">
-                <a:schemeClr val="accent1">
-                  <a:lumMod val="90000"/>
-                </a:schemeClr>
-              </a:gs>
-              <a:gs pos="25000">
-                <a:schemeClr val="accent1">
-                  <a:lumMod val="90000"/>
-                </a:schemeClr>
-              </a:gs>
-              <a:gs pos="94000">
-                <a:schemeClr val="bg2">
-                  <a:lumMod val="25000"/>
-                </a:schemeClr>
-              </a:gs>
-              <a:gs pos="100000">
-                <a:schemeClr val="bg2">
-                  <a:lumMod val="25000"/>
-                </a:schemeClr>
-              </a:gs>
-            </a:gsLst>
-            <a:lin ang="4200000" scaled="0"/>
-          </a:gradFill>
-          <a:ln>
-            <a:noFill/>
-          </a:ln>
-        </p:spPr>
-        <p:style>
-          <a:lnRef idx="2">
-            <a:schemeClr val="accent1">
-              <a:shade val="50000"/>
-            </a:schemeClr>
-          </a:lnRef>
-          <a:fillRef idx="1">
-            <a:schemeClr val="accent1"/>
-          </a:fillRef>
-          <a:effectRef idx="0">
-            <a:schemeClr val="accent1"/>
-          </a:effectRef>
-          <a:fontRef idx="minor">
-            <a:schemeClr val="lt1"/>
-          </a:fontRef>
-        </p:style>
-        <p:txBody>
-          <a:bodyPr rtlCol="0" anchor="ctr"/>
-          <a:lstStyle/>
-          <a:p>
-            <a:pPr algn="ctr"/>
-            <a:endParaRPr lang="en-US"/>
-          </a:p>
-        </p:txBody>
-      </p:sp>
-      <p:pic>
-        <p:nvPicPr>
-          <p:cNvPr id="12" name="Picture 11">
-            <a:extLst>
-              <a:ext uri="{FF2B5EF4-FFF2-40B4-BE49-F238E27FC236}">
-                <a16:creationId xmlns:a16="http://schemas.microsoft.com/office/drawing/2014/main" id="{2897127E-6CEF-446C-BE87-93B7C46E49D1}"/>
-              </a:ext>
-              <a:ext uri="{C183D7F6-B498-43B3-948B-1728B52AA6E4}">
-                <adec:decorative xmlns:adec="http://schemas.microsoft.com/office/drawing/2017/decorative" val="1"/>
-              </a:ext>
-            </a:extLst>
-          </p:cNvPr>
-          <p:cNvPicPr>
-            <a:picLocks noGrp="1" noRot="1" noChangeAspect="1" noMove="1" noResize="1" noEditPoints="1" noAdjustHandles="1" noChangeArrowheads="1" noChangeShapeType="1" noCrop="1"/>
-          </p:cNvPicPr>
-          <p:nvPr>
-            <p:extLst>
-              <p:ext uri="{386F3935-93C4-4BCD-93E2-E3B085C9AB24}">
-                <p16:designElem xmlns:p16="http://schemas.microsoft.com/office/powerpoint/2015/main" val="1"/>
-              </p:ext>
-            </p:extLst>
-          </p:nvPr>
-        </p:nvPicPr>
-        <p:blipFill>
-          <a:blip r:embed="rId2">
-            <a:extLst>
-              <a:ext uri="{28A0092B-C50C-407E-A947-70E740481C1C}">
-                <a14:useLocalDpi xmlns:a14="http://schemas.microsoft.com/office/drawing/2010/main" val="0"/>
-              </a:ext>
-            </a:extLst>
-          </a:blip>
-          <a:stretch>
-            <a:fillRect/>
-          </a:stretch>
-        </p:blipFill>
-        <p:spPr>
-          <a:xfrm>
-            <a:off x="0" y="0"/>
-            <a:ext cx="12192000" cy="6858000"/>
-          </a:xfrm>
-          <a:prstGeom prst="rect">
-            <a:avLst/>
-          </a:prstGeom>
-        </p:spPr>
-      </p:pic>
-      <p:sp>
-        <p:nvSpPr>
-          <p:cNvPr id="2" name="Rectangle 1">
-            <a:extLst>
-              <a:ext uri="{FF2B5EF4-FFF2-40B4-BE49-F238E27FC236}">
-                <a16:creationId xmlns:a16="http://schemas.microsoft.com/office/drawing/2014/main" id="{2BBE5D5C-37F1-8E46-85AE-C4E008C881D2}"/>
-              </a:ext>
-            </a:extLst>
-          </p:cNvPr>
-          <p:cNvSpPr/>
-          <p:nvPr/>
-        </p:nvSpPr>
-        <p:spPr>
-          <a:xfrm>
-            <a:off x="640079" y="2053641"/>
-            <a:ext cx="3669161" cy="2760098"/>
-          </a:xfrm>
-          <a:prstGeom prst="rect">
-            <a:avLst/>
-          </a:prstGeom>
-        </p:spPr>
-        <p:style>
-          <a:lnRef idx="2">
-            <a:schemeClr val="dk1">
-              <a:shade val="50000"/>
-            </a:schemeClr>
-          </a:lnRef>
-          <a:fillRef idx="1">
-            <a:schemeClr val="dk1"/>
-          </a:fillRef>
-          <a:effectRef idx="0">
-            <a:schemeClr val="dk1"/>
-          </a:effectRef>
-          <a:fontRef idx="minor">
-            <a:schemeClr val="lt1"/>
-          </a:fontRef>
-        </p:style>
-        <p:txBody>
-          <a:bodyPr vert="horz" lIns="91440" tIns="45720" rIns="91440" bIns="45720" rtlCol="0" anchor="ctr">
-            <a:normAutofit/>
-          </a:bodyPr>
-          <a:lstStyle/>
-          <a:p>
-            <a:pPr>
-              <a:lnSpc>
-                <a:spcPct val="90000"/>
-              </a:lnSpc>
-              <a:spcBef>
-                <a:spcPct val="0"/>
-              </a:spcBef>
-              <a:spcAft>
-                <a:spcPts val="600"/>
-              </a:spcAft>
-            </a:pPr>
-            <a:r>
-              <a:rPr lang="en-US" sz="4400" kern="1200" dirty="0">
-                <a:solidFill>
-                  <a:srgbClr val="FFFFFF"/>
-                </a:solidFill>
-                <a:latin typeface="+mj-lt"/>
-                <a:ea typeface="+mj-ea"/>
-                <a:cs typeface="+mj-cs"/>
-              </a:rPr>
-              <a:t>Some good news….</a:t>
-            </a:r>
-          </a:p>
-        </p:txBody>
-      </p:sp>
-      <p:sp>
-        <p:nvSpPr>
-          <p:cNvPr id="3" name="TextBox 2">
-            <a:extLst>
-              <a:ext uri="{FF2B5EF4-FFF2-40B4-BE49-F238E27FC236}">
-                <a16:creationId xmlns:a16="http://schemas.microsoft.com/office/drawing/2014/main" id="{36B01A16-7F02-5A48-8F7C-058FC9F3474D}"/>
-              </a:ext>
-            </a:extLst>
-          </p:cNvPr>
-          <p:cNvSpPr txBox="1"/>
-          <p:nvPr/>
-        </p:nvSpPr>
-        <p:spPr>
-          <a:xfrm>
-            <a:off x="6090574" y="801866"/>
-            <a:ext cx="5306084" cy="5230634"/>
-          </a:xfrm>
-          <a:prstGeom prst="rect">
-            <a:avLst/>
-          </a:prstGeom>
-        </p:spPr>
-        <p:txBody>
-          <a:bodyPr vert="horz" lIns="91440" tIns="45720" rIns="91440" bIns="45720" rtlCol="0" anchor="ctr">
-            <a:normAutofit/>
-          </a:bodyPr>
-          <a:lstStyle/>
-          <a:p>
-            <a:pPr indent="-228600">
-              <a:lnSpc>
-                <a:spcPct val="90000"/>
-              </a:lnSpc>
-              <a:spcAft>
-                <a:spcPts val="600"/>
-              </a:spcAft>
-              <a:buFont typeface="Arial" panose="020B0604020202020204" pitchFamily="34" charset="0"/>
-              <a:buChar char="•"/>
-            </a:pPr>
-            <a:endParaRPr lang="en-US" sz="2400" dirty="0">
-              <a:solidFill>
-                <a:srgbClr val="000000"/>
-              </a:solidFill>
-            </a:endParaRPr>
-          </a:p>
-          <a:p>
-            <a:pPr indent="-228600">
-              <a:lnSpc>
-                <a:spcPct val="90000"/>
-              </a:lnSpc>
-              <a:spcAft>
-                <a:spcPts val="600"/>
-              </a:spcAft>
-              <a:buFont typeface="Arial" panose="020B0604020202020204" pitchFamily="34" charset="0"/>
-              <a:buChar char="•"/>
-            </a:pPr>
-            <a:endParaRPr lang="en-US" sz="2400" dirty="0">
-              <a:solidFill>
-                <a:srgbClr val="000000"/>
-              </a:solidFill>
-            </a:endParaRPr>
-          </a:p>
-          <a:p>
-            <a:pPr indent="-228600">
-              <a:lnSpc>
-                <a:spcPct val="90000"/>
-              </a:lnSpc>
-              <a:spcAft>
-                <a:spcPts val="600"/>
-              </a:spcAft>
-              <a:buFont typeface="Arial" panose="020B0604020202020204" pitchFamily="34" charset="0"/>
-              <a:buChar char="•"/>
-            </a:pPr>
-            <a:endParaRPr lang="en-US" sz="2400" dirty="0">
-              <a:solidFill>
-                <a:srgbClr val="000000"/>
-              </a:solidFill>
-            </a:endParaRPr>
-          </a:p>
-          <a:p>
-            <a:pPr indent="-228600">
-              <a:lnSpc>
-                <a:spcPct val="90000"/>
-              </a:lnSpc>
-              <a:spcAft>
-                <a:spcPts val="600"/>
-              </a:spcAft>
-              <a:buFont typeface="Arial" panose="020B0604020202020204" pitchFamily="34" charset="0"/>
-              <a:buChar char="•"/>
-            </a:pPr>
-            <a:endParaRPr lang="en-US" sz="2400" dirty="0">
-              <a:solidFill>
-                <a:srgbClr val="000000"/>
-              </a:solidFill>
-            </a:endParaRPr>
-          </a:p>
-          <a:p>
-            <a:pPr indent="-228600">
-              <a:lnSpc>
-                <a:spcPct val="90000"/>
-              </a:lnSpc>
-              <a:spcAft>
-                <a:spcPts val="600"/>
-              </a:spcAft>
-              <a:buFont typeface="Arial" panose="020B0604020202020204" pitchFamily="34" charset="0"/>
-              <a:buChar char="•"/>
-            </a:pPr>
-            <a:endParaRPr lang="en-US" sz="2400" dirty="0">
-              <a:solidFill>
-                <a:srgbClr val="000000"/>
-              </a:solidFill>
-            </a:endParaRPr>
-          </a:p>
-          <a:p>
-            <a:pPr indent="-228600">
-              <a:lnSpc>
-                <a:spcPct val="90000"/>
-              </a:lnSpc>
-              <a:spcAft>
-                <a:spcPts val="600"/>
-              </a:spcAft>
-              <a:buFont typeface="Arial" panose="020B0604020202020204" pitchFamily="34" charset="0"/>
-              <a:buChar char="•"/>
-            </a:pPr>
-            <a:endParaRPr lang="en-US" sz="2400" dirty="0">
-              <a:solidFill>
-                <a:srgbClr val="000000"/>
-              </a:solidFill>
-            </a:endParaRPr>
-          </a:p>
-        </p:txBody>
-      </p:sp>
-      <p:sp>
-        <p:nvSpPr>
-          <p:cNvPr id="6" name="TextBox 5">
-            <a:extLst>
-              <a:ext uri="{FF2B5EF4-FFF2-40B4-BE49-F238E27FC236}">
-                <a16:creationId xmlns:a16="http://schemas.microsoft.com/office/drawing/2014/main" id="{B43E22D1-DF46-4FCA-A5AF-31F9FADE9901}"/>
-              </a:ext>
-            </a:extLst>
-          </p:cNvPr>
-          <p:cNvSpPr txBox="1"/>
-          <p:nvPr/>
-        </p:nvSpPr>
-        <p:spPr>
-          <a:xfrm>
-            <a:off x="5788241" y="541538"/>
-            <a:ext cx="5992427" cy="5909310"/>
-          </a:xfrm>
-          <a:prstGeom prst="rect">
-            <a:avLst/>
-          </a:prstGeom>
-          <a:noFill/>
-        </p:spPr>
-        <p:txBody>
-          <a:bodyPr wrap="square" rtlCol="0">
-            <a:spAutoFit/>
-          </a:bodyPr>
-          <a:lstStyle/>
-          <a:p>
-            <a:r>
-              <a:rPr lang="en-AU" dirty="0"/>
-              <a:t>Hudson river landing made by Captain Chesley Sullenberger of Airbus A320 in January 2009…</a:t>
-            </a:r>
-          </a:p>
-          <a:p>
-            <a:endParaRPr lang="en-AU" dirty="0"/>
-          </a:p>
-          <a:p>
-            <a:r>
-              <a:rPr lang="en-AU" dirty="0"/>
-              <a:t>Qantas Airbus A380 grounded safely in Singapore airport after experiencing an engine explosion shortly after take-off(4</a:t>
-            </a:r>
-            <a:r>
-              <a:rPr lang="en-AU" baseline="30000" dirty="0"/>
-              <a:t>th</a:t>
-            </a:r>
-            <a:r>
-              <a:rPr lang="en-AU" dirty="0"/>
-              <a:t> November 2010)..</a:t>
-            </a:r>
-          </a:p>
-          <a:p>
-            <a:endParaRPr lang="en-AU" dirty="0"/>
-          </a:p>
-          <a:p>
-            <a:endParaRPr lang="en-AU" dirty="0"/>
-          </a:p>
-          <a:p>
-            <a:r>
-              <a:rPr lang="en-AU" dirty="0"/>
-              <a:t>“3 International Flights Escape Mid-air Collision Over Delhi, Pilots Summoned”</a:t>
-            </a:r>
-          </a:p>
-          <a:p>
-            <a:r>
-              <a:rPr lang="en-AU" b="0" i="1" dirty="0">
-                <a:solidFill>
-                  <a:srgbClr val="000000"/>
-                </a:solidFill>
-                <a:effectLst/>
-                <a:latin typeface="+mj-lt"/>
-              </a:rPr>
-              <a:t>The three foreign airlines - Dutch carrier KLM, Taiwan's Eva Air, and US-based National Airlines - were flying at almost the same level which is a clear violation of mandatory separation</a:t>
-            </a:r>
-            <a:r>
-              <a:rPr lang="en-AU" b="0" i="1" dirty="0">
-                <a:solidFill>
-                  <a:srgbClr val="000000"/>
-                </a:solidFill>
-                <a:effectLst/>
-                <a:latin typeface="Roboto"/>
-              </a:rPr>
-              <a:t>. – </a:t>
-            </a:r>
-            <a:r>
-              <a:rPr lang="en-AU" dirty="0"/>
-              <a:t>29 December 2018</a:t>
-            </a:r>
-          </a:p>
-          <a:p>
-            <a:endParaRPr lang="en-AU" dirty="0"/>
-          </a:p>
-          <a:p>
-            <a:r>
-              <a:rPr lang="en-AU" dirty="0">
-                <a:highlight>
-                  <a:srgbClr val="00FFFF"/>
-                </a:highlight>
-              </a:rPr>
-              <a:t>Trivia time </a:t>
-            </a:r>
-          </a:p>
-          <a:p>
-            <a:r>
-              <a:rPr lang="en-AU" b="0" i="0" dirty="0">
-                <a:solidFill>
-                  <a:srgbClr val="202122"/>
-                </a:solidFill>
-                <a:effectLst/>
-                <a:latin typeface="-apple-system"/>
-              </a:rPr>
-              <a:t>It is common for an airline to cease using the </a:t>
-            </a:r>
-            <a:r>
-              <a:rPr lang="en-AU" b="0" i="0" u="none" strike="noStrike" dirty="0">
-                <a:solidFill>
-                  <a:srgbClr val="6B4BA1"/>
-                </a:solidFill>
-                <a:effectLst/>
-                <a:latin typeface="-apple-system"/>
-                <a:hlinkClick r:id="rId3" tooltip="Flight number"/>
-              </a:rPr>
-              <a:t>flight number</a:t>
-            </a:r>
-            <a:r>
-              <a:rPr lang="en-AU" b="0" i="0" dirty="0">
-                <a:solidFill>
-                  <a:srgbClr val="202122"/>
-                </a:solidFill>
-                <a:effectLst/>
-                <a:latin typeface="-apple-system"/>
-              </a:rPr>
-              <a:t> of a fatal crash, although that is not always the case.</a:t>
-            </a:r>
-            <a:endParaRPr lang="en-AU" dirty="0"/>
-          </a:p>
-          <a:p>
-            <a:endParaRPr lang="en-AU" dirty="0"/>
-          </a:p>
-          <a:p>
-            <a:endParaRPr lang="en-AU" dirty="0"/>
-          </a:p>
-          <a:p>
-            <a:endParaRPr lang="en-AU" dirty="0"/>
-          </a:p>
-        </p:txBody>
-      </p:sp>
-    </p:spTree>
-    <p:extLst>
-      <p:ext uri="{BB962C8B-B14F-4D97-AF65-F5344CB8AC3E}">
-        <p14:creationId xmlns:p14="http://schemas.microsoft.com/office/powerpoint/2010/main" val="1439898920"/>
-      </p:ext>
-    </p:extLst>
-  </p:cSld>
-  <p:clrMapOvr>
-    <a:masterClrMapping/>
-  </p:clrMapOvr>
-</p:sld>
-</file>
-
 <file path=ppt/slides/slide2.xml><?xml version="1.0" encoding="utf-8"?>
 <p:sld xmlns:a="http://schemas.openxmlformats.org/drawingml/2006/main" xmlns:r="http://schemas.openxmlformats.org/officeDocument/2006/relationships" xmlns:p="http://schemas.openxmlformats.org/presentationml/2006/main">
   <p:cSld>
@@ -9921,7 +9347,7 @@
                 <a:ea typeface="+mj-ea"/>
                 <a:cs typeface="+mj-cs"/>
               </a:rPr>
-              <a:t>Lessons &amp; hurdles…</a:t>
+              <a:t>Some good news….</a:t>
             </a:r>
           </a:p>
         </p:txBody>
@@ -9940,8 +9366,8 @@
         </p:nvSpPr>
         <p:spPr>
           <a:xfrm>
-            <a:off x="5956917" y="417251"/>
-            <a:ext cx="5595004" cy="6303146"/>
+            <a:off x="6090574" y="801866"/>
+            <a:ext cx="5306084" cy="5230634"/>
           </a:xfrm>
           <a:prstGeom prst="rect">
             <a:avLst/>
@@ -9952,215 +9378,6 @@
             <a:normAutofit/>
           </a:bodyPr>
           <a:lstStyle/>
-          <a:p>
-            <a:pPr>
-              <a:lnSpc>
-                <a:spcPct val="90000"/>
-              </a:lnSpc>
-              <a:spcAft>
-                <a:spcPts val="600"/>
-              </a:spcAft>
-            </a:pPr>
-            <a:endParaRPr lang="en-US" sz="2400" dirty="0">
-              <a:solidFill>
-                <a:srgbClr val="000000"/>
-              </a:solidFill>
-            </a:endParaRPr>
-          </a:p>
-          <a:p>
-            <a:pPr indent="-228600">
-              <a:lnSpc>
-                <a:spcPct val="90000"/>
-              </a:lnSpc>
-              <a:spcAft>
-                <a:spcPts val="600"/>
-              </a:spcAft>
-              <a:buFont typeface="Arial" panose="020B0604020202020204" pitchFamily="34" charset="0"/>
-              <a:buChar char="•"/>
-            </a:pPr>
-            <a:r>
-              <a:rPr lang="en-US" dirty="0">
-                <a:solidFill>
-                  <a:srgbClr val="000000"/>
-                </a:solidFill>
-              </a:rPr>
-              <a:t>The data set was vast and had a lot of variables for analysis.</a:t>
-            </a:r>
-          </a:p>
-          <a:p>
-            <a:pPr>
-              <a:lnSpc>
-                <a:spcPct val="90000"/>
-              </a:lnSpc>
-              <a:spcAft>
-                <a:spcPts val="600"/>
-              </a:spcAft>
-            </a:pPr>
-            <a:endParaRPr lang="en-US" dirty="0">
-              <a:solidFill>
-                <a:srgbClr val="000000"/>
-              </a:solidFill>
-            </a:endParaRPr>
-          </a:p>
-          <a:p>
-            <a:pPr indent="-228600">
-              <a:lnSpc>
-                <a:spcPct val="90000"/>
-              </a:lnSpc>
-              <a:spcAft>
-                <a:spcPts val="600"/>
-              </a:spcAft>
-              <a:buFont typeface="Arial" panose="020B0604020202020204" pitchFamily="34" charset="0"/>
-              <a:buChar char="•"/>
-            </a:pPr>
-            <a:r>
-              <a:rPr lang="en-US" dirty="0">
-                <a:solidFill>
-                  <a:srgbClr val="000000"/>
-                </a:solidFill>
-              </a:rPr>
-              <a:t>Data cleansing had to be improvised twice as we found some errors while progressing with the visualizations.</a:t>
-            </a:r>
-          </a:p>
-          <a:p>
-            <a:pPr>
-              <a:lnSpc>
-                <a:spcPct val="90000"/>
-              </a:lnSpc>
-              <a:spcAft>
-                <a:spcPts val="600"/>
-              </a:spcAft>
-            </a:pPr>
-            <a:endParaRPr lang="en-US" dirty="0">
-              <a:solidFill>
-                <a:srgbClr val="000000"/>
-              </a:solidFill>
-            </a:endParaRPr>
-          </a:p>
-          <a:p>
-            <a:pPr indent="-228600">
-              <a:lnSpc>
-                <a:spcPct val="90000"/>
-              </a:lnSpc>
-              <a:spcAft>
-                <a:spcPts val="600"/>
-              </a:spcAft>
-              <a:buFont typeface="Arial" panose="020B0604020202020204" pitchFamily="34" charset="0"/>
-              <a:buChar char="•"/>
-            </a:pPr>
-            <a:r>
-              <a:rPr lang="en-US" dirty="0">
-                <a:solidFill>
-                  <a:srgbClr val="000000"/>
-                </a:solidFill>
-              </a:rPr>
-              <a:t>The visualization seemed more complex than we initially thought.</a:t>
-            </a:r>
-          </a:p>
-          <a:p>
-            <a:pPr indent="-228600">
-              <a:lnSpc>
-                <a:spcPct val="90000"/>
-              </a:lnSpc>
-              <a:spcAft>
-                <a:spcPts val="600"/>
-              </a:spcAft>
-              <a:buFont typeface="Arial" panose="020B0604020202020204" pitchFamily="34" charset="0"/>
-              <a:buChar char="•"/>
-            </a:pPr>
-            <a:endParaRPr lang="en-US" dirty="0">
-              <a:solidFill>
-                <a:srgbClr val="000000"/>
-              </a:solidFill>
-            </a:endParaRPr>
-          </a:p>
-          <a:p>
-            <a:pPr indent="-228600">
-              <a:lnSpc>
-                <a:spcPct val="90000"/>
-              </a:lnSpc>
-              <a:spcAft>
-                <a:spcPts val="600"/>
-              </a:spcAft>
-              <a:buFont typeface="Arial" panose="020B0604020202020204" pitchFamily="34" charset="0"/>
-              <a:buChar char="•"/>
-            </a:pPr>
-            <a:r>
-              <a:rPr lang="en-US" dirty="0">
-                <a:solidFill>
-                  <a:srgbClr val="000000"/>
-                </a:solidFill>
-              </a:rPr>
-              <a:t>Further investigation is needed in order to explore the causes of the crashes- the summary column(which was dropped in the final version) was too vague to pick the keywords and lead to any conclusions.</a:t>
-            </a:r>
-          </a:p>
-          <a:p>
-            <a:pPr indent="-228600">
-              <a:lnSpc>
-                <a:spcPct val="90000"/>
-              </a:lnSpc>
-              <a:spcAft>
-                <a:spcPts val="600"/>
-              </a:spcAft>
-              <a:buFont typeface="Arial" panose="020B0604020202020204" pitchFamily="34" charset="0"/>
-              <a:buChar char="•"/>
-            </a:pPr>
-            <a:endParaRPr lang="en-US" dirty="0">
-              <a:solidFill>
-                <a:srgbClr val="000000"/>
-              </a:solidFill>
-            </a:endParaRPr>
-          </a:p>
-          <a:p>
-            <a:pPr indent="-228600">
-              <a:lnSpc>
-                <a:spcPct val="90000"/>
-              </a:lnSpc>
-              <a:spcAft>
-                <a:spcPts val="600"/>
-              </a:spcAft>
-              <a:buFont typeface="Arial" panose="020B0604020202020204" pitchFamily="34" charset="0"/>
-              <a:buChar char="•"/>
-            </a:pPr>
-            <a:r>
-              <a:rPr lang="en-US" dirty="0">
-                <a:solidFill>
-                  <a:srgbClr val="000000"/>
-                </a:solidFill>
-              </a:rPr>
-              <a:t>Be realistic with your expectations..(Power BI rocks!!)</a:t>
-            </a:r>
-          </a:p>
-          <a:p>
-            <a:pPr>
-              <a:lnSpc>
-                <a:spcPct val="90000"/>
-              </a:lnSpc>
-              <a:spcAft>
-                <a:spcPts val="600"/>
-              </a:spcAft>
-            </a:pPr>
-            <a:endParaRPr lang="en-US" sz="2400" dirty="0">
-              <a:solidFill>
-                <a:srgbClr val="000000"/>
-              </a:solidFill>
-            </a:endParaRPr>
-          </a:p>
-          <a:p>
-            <a:pPr>
-              <a:lnSpc>
-                <a:spcPct val="90000"/>
-              </a:lnSpc>
-              <a:spcAft>
-                <a:spcPts val="600"/>
-              </a:spcAft>
-            </a:pPr>
-            <a:endParaRPr lang="en-US" sz="2400" dirty="0">
-              <a:solidFill>
-                <a:srgbClr val="000000"/>
-              </a:solidFill>
-            </a:endParaRPr>
-          </a:p>
           <a:p>
             <a:pPr indent="-228600">
               <a:lnSpc>
@@ -10212,12 +9429,209 @@
               </a:solidFill>
             </a:endParaRPr>
           </a:p>
+          <a:p>
+            <a:pPr indent="-228600">
+              <a:lnSpc>
+                <a:spcPct val="90000"/>
+              </a:lnSpc>
+              <a:spcAft>
+                <a:spcPts val="600"/>
+              </a:spcAft>
+              <a:buFont typeface="Arial" panose="020B0604020202020204" pitchFamily="34" charset="0"/>
+              <a:buChar char="•"/>
+            </a:pPr>
+            <a:endParaRPr lang="en-US" sz="2400" dirty="0">
+              <a:solidFill>
+                <a:srgbClr val="000000"/>
+              </a:solidFill>
+            </a:endParaRPr>
+          </a:p>
+          <a:p>
+            <a:pPr indent="-228600">
+              <a:lnSpc>
+                <a:spcPct val="90000"/>
+              </a:lnSpc>
+              <a:spcAft>
+                <a:spcPts val="600"/>
+              </a:spcAft>
+              <a:buFont typeface="Arial" panose="020B0604020202020204" pitchFamily="34" charset="0"/>
+              <a:buChar char="•"/>
+            </a:pPr>
+            <a:endParaRPr lang="en-US" sz="2400" dirty="0">
+              <a:solidFill>
+                <a:srgbClr val="000000"/>
+              </a:solidFill>
+            </a:endParaRPr>
+          </a:p>
+          <a:p>
+            <a:pPr indent="-228600">
+              <a:lnSpc>
+                <a:spcPct val="90000"/>
+              </a:lnSpc>
+              <a:spcAft>
+                <a:spcPts val="600"/>
+              </a:spcAft>
+              <a:buFont typeface="Arial" panose="020B0604020202020204" pitchFamily="34" charset="0"/>
+              <a:buChar char="•"/>
+            </a:pPr>
+            <a:endParaRPr lang="en-US" sz="2400" dirty="0">
+              <a:solidFill>
+                <a:srgbClr val="000000"/>
+              </a:solidFill>
+            </a:endParaRPr>
+          </a:p>
+        </p:txBody>
+      </p:sp>
+      <p:sp>
+        <p:nvSpPr>
+          <p:cNvPr id="6" name="TextBox 5">
+            <a:extLst>
+              <a:ext uri="{FF2B5EF4-FFF2-40B4-BE49-F238E27FC236}">
+                <a16:creationId xmlns:a16="http://schemas.microsoft.com/office/drawing/2014/main" id="{B43E22D1-DF46-4FCA-A5AF-31F9FADE9901}"/>
+              </a:ext>
+            </a:extLst>
+          </p:cNvPr>
+          <p:cNvSpPr txBox="1"/>
+          <p:nvPr/>
+        </p:nvSpPr>
+        <p:spPr>
+          <a:xfrm>
+            <a:off x="5788241" y="541538"/>
+            <a:ext cx="5992427" cy="5909310"/>
+          </a:xfrm>
+          <a:prstGeom prst="rect">
+            <a:avLst/>
+          </a:prstGeom>
+          <a:noFill/>
+        </p:spPr>
+        <p:txBody>
+          <a:bodyPr wrap="square" rtlCol="0">
+            <a:spAutoFit/>
+          </a:bodyPr>
+          <a:lstStyle/>
+          <a:p>
+            <a:r>
+              <a:rPr lang="en-AU" dirty="0"/>
+              <a:t>Hudson river landing made by Captain Chesley Sullenberger of Airbus A320 in January 2009…</a:t>
+            </a:r>
+          </a:p>
+          <a:p>
+            <a:endParaRPr lang="en-AU" dirty="0"/>
+          </a:p>
+          <a:p>
+            <a:r>
+              <a:rPr lang="en-AU" dirty="0"/>
+              <a:t>Qantas Airbus A380 grounded safely in Singapore airport after experiencing an engine explosion shortly after take-off(4</a:t>
+            </a:r>
+            <a:r>
+              <a:rPr lang="en-AU" baseline="30000" dirty="0"/>
+              <a:t>th</a:t>
+            </a:r>
+            <a:r>
+              <a:rPr lang="en-AU" dirty="0"/>
+              <a:t> November 2010)..</a:t>
+            </a:r>
+          </a:p>
+          <a:p>
+            <a:endParaRPr lang="en-AU" dirty="0"/>
+          </a:p>
+          <a:p>
+            <a:endParaRPr lang="en-AU" dirty="0"/>
+          </a:p>
+          <a:p>
+            <a:r>
+              <a:rPr lang="en-AU" dirty="0"/>
+              <a:t>“3 International Flights Escape Mid-air Collision Over Delhi, Pilots Summoned”</a:t>
+            </a:r>
+          </a:p>
+          <a:p>
+            <a:r>
+              <a:rPr lang="en-AU" b="0" i="1" dirty="0">
+                <a:solidFill>
+                  <a:srgbClr val="000000"/>
+                </a:solidFill>
+                <a:effectLst/>
+                <a:latin typeface="+mj-lt"/>
+              </a:rPr>
+              <a:t>The three foreign airlines - Dutch carrier KLM, Taiwan's Eva Air, and US-based National Airlines - were flying at almost the same level which is a clear violation of mandatory separation</a:t>
+            </a:r>
+            <a:r>
+              <a:rPr lang="en-AU" b="0" i="1" dirty="0">
+                <a:solidFill>
+                  <a:srgbClr val="000000"/>
+                </a:solidFill>
+                <a:effectLst/>
+                <a:latin typeface="Roboto"/>
+              </a:rPr>
+              <a:t>. – </a:t>
+            </a:r>
+            <a:r>
+              <a:rPr lang="en-AU" dirty="0"/>
+              <a:t>29 December 2018</a:t>
+            </a:r>
+          </a:p>
+          <a:p>
+            <a:endParaRPr lang="en-AU" dirty="0"/>
+          </a:p>
+          <a:p>
+            <a:r>
+              <a:rPr lang="en-AU" dirty="0">
+                <a:highlight>
+                  <a:srgbClr val="00FFFF"/>
+                </a:highlight>
+              </a:rPr>
+              <a:t>Trivia time </a:t>
+            </a:r>
+          </a:p>
+          <a:p>
+            <a:r>
+              <a:rPr lang="en-AU" b="0" i="0" dirty="0">
+                <a:solidFill>
+                  <a:srgbClr val="202122"/>
+                </a:solidFill>
+                <a:effectLst/>
+                <a:latin typeface="-apple-system"/>
+              </a:rPr>
+              <a:t>It is common for an airline to cease using the </a:t>
+            </a:r>
+            <a:r>
+              <a:rPr lang="en-AU" b="0" i="0" u="none" strike="noStrike" dirty="0">
+                <a:solidFill>
+                  <a:srgbClr val="6B4BA1"/>
+                </a:solidFill>
+                <a:effectLst/>
+                <a:latin typeface="-apple-system"/>
+                <a:hlinkClick r:id="rId3" tooltip="Flight number"/>
+              </a:rPr>
+              <a:t>flight number</a:t>
+            </a:r>
+            <a:r>
+              <a:rPr lang="en-AU" b="0" i="0" dirty="0">
+                <a:solidFill>
+                  <a:srgbClr val="202122"/>
+                </a:solidFill>
+                <a:effectLst/>
+                <a:latin typeface="-apple-system"/>
+              </a:rPr>
+              <a:t> of a fatal crash, although that is not always the case.</a:t>
+            </a:r>
+            <a:endParaRPr lang="en-AU" dirty="0"/>
+          </a:p>
+          <a:p>
+            <a:endParaRPr lang="en-AU" dirty="0"/>
+          </a:p>
+          <a:p>
+            <a:endParaRPr lang="en-AU" dirty="0"/>
+          </a:p>
+          <a:p>
+            <a:endParaRPr lang="en-AU" dirty="0"/>
+          </a:p>
         </p:txBody>
       </p:sp>
     </p:spTree>
     <p:extLst>
       <p:ext uri="{BB962C8B-B14F-4D97-AF65-F5344CB8AC3E}">
-        <p14:creationId xmlns:p14="http://schemas.microsoft.com/office/powerpoint/2010/main" val="1332039402"/>
+        <p14:creationId xmlns:p14="http://schemas.microsoft.com/office/powerpoint/2010/main" val="1439898920"/>
       </p:ext>
     </p:extLst>
   </p:cSld>
